--- a/regular&irregular.pptx
+++ b/regular&irregular.pptx
@@ -127,6 +127,11 @@
       </a:defRPr>
     </a:lvl9pPr>
   </p:defaultTextStyle>
+  <p:extLst>
+    <p:ext uri="{EFAFB233-063F-42B5-8137-9DF3F51BA10A}">
+      <p15:sldGuideLst xmlns:p15="http://schemas.microsoft.com/office/powerpoint/2012/main"/>
+    </p:ext>
+  </p:extLst>
 </p:presentation>
 </file>
 
@@ -277,7 +282,7 @@
           <a:p>
             <a:fld id="{E76CBBD3-E223-46C3-A8FE-F498D578C27C}" type="datetimeFigureOut">
               <a:rPr lang="en-US" smtClean="0"/>
-              <a:t>2025-05-02</a:t>
+              <a:t>5/4/2025</a:t>
             </a:fld>
             <a:endParaRPr lang="en-US"/>
           </a:p>
@@ -475,7 +480,7 @@
           <a:p>
             <a:fld id="{E76CBBD3-E223-46C3-A8FE-F498D578C27C}" type="datetimeFigureOut">
               <a:rPr lang="en-US" smtClean="0"/>
-              <a:t>2025-05-02</a:t>
+              <a:t>5/4/2025</a:t>
             </a:fld>
             <a:endParaRPr lang="en-US"/>
           </a:p>
@@ -683,7 +688,7 @@
           <a:p>
             <a:fld id="{E76CBBD3-E223-46C3-A8FE-F498D578C27C}" type="datetimeFigureOut">
               <a:rPr lang="en-US" smtClean="0"/>
-              <a:t>2025-05-02</a:t>
+              <a:t>5/4/2025</a:t>
             </a:fld>
             <a:endParaRPr lang="en-US"/>
           </a:p>
@@ -881,7 +886,7 @@
           <a:p>
             <a:fld id="{E76CBBD3-E223-46C3-A8FE-F498D578C27C}" type="datetimeFigureOut">
               <a:rPr lang="en-US" smtClean="0"/>
-              <a:t>2025-05-02</a:t>
+              <a:t>5/4/2025</a:t>
             </a:fld>
             <a:endParaRPr lang="en-US"/>
           </a:p>
@@ -1156,7 +1161,7 @@
           <a:p>
             <a:fld id="{E76CBBD3-E223-46C3-A8FE-F498D578C27C}" type="datetimeFigureOut">
               <a:rPr lang="en-US" smtClean="0"/>
-              <a:t>2025-05-02</a:t>
+              <a:t>5/4/2025</a:t>
             </a:fld>
             <a:endParaRPr lang="en-US"/>
           </a:p>
@@ -1421,7 +1426,7 @@
           <a:p>
             <a:fld id="{E76CBBD3-E223-46C3-A8FE-F498D578C27C}" type="datetimeFigureOut">
               <a:rPr lang="en-US" smtClean="0"/>
-              <a:t>2025-05-02</a:t>
+              <a:t>5/4/2025</a:t>
             </a:fld>
             <a:endParaRPr lang="en-US"/>
           </a:p>
@@ -1833,7 +1838,7 @@
           <a:p>
             <a:fld id="{E76CBBD3-E223-46C3-A8FE-F498D578C27C}" type="datetimeFigureOut">
               <a:rPr lang="en-US" smtClean="0"/>
-              <a:t>2025-05-02</a:t>
+              <a:t>5/4/2025</a:t>
             </a:fld>
             <a:endParaRPr lang="en-US"/>
           </a:p>
@@ -1974,7 +1979,7 @@
           <a:p>
             <a:fld id="{E76CBBD3-E223-46C3-A8FE-F498D578C27C}" type="datetimeFigureOut">
               <a:rPr lang="en-US" smtClean="0"/>
-              <a:t>2025-05-02</a:t>
+              <a:t>5/4/2025</a:t>
             </a:fld>
             <a:endParaRPr lang="en-US"/>
           </a:p>
@@ -2087,7 +2092,7 @@
           <a:p>
             <a:fld id="{E76CBBD3-E223-46C3-A8FE-F498D578C27C}" type="datetimeFigureOut">
               <a:rPr lang="en-US" smtClean="0"/>
-              <a:t>2025-05-02</a:t>
+              <a:t>5/4/2025</a:t>
             </a:fld>
             <a:endParaRPr lang="en-US"/>
           </a:p>
@@ -2398,7 +2403,7 @@
           <a:p>
             <a:fld id="{E76CBBD3-E223-46C3-A8FE-F498D578C27C}" type="datetimeFigureOut">
               <a:rPr lang="en-US" smtClean="0"/>
-              <a:t>2025-05-02</a:t>
+              <a:t>5/4/2025</a:t>
             </a:fld>
             <a:endParaRPr lang="en-US"/>
           </a:p>
@@ -2686,7 +2691,7 @@
           <a:p>
             <a:fld id="{E76CBBD3-E223-46C3-A8FE-F498D578C27C}" type="datetimeFigureOut">
               <a:rPr lang="en-US" smtClean="0"/>
-              <a:t>2025-05-02</a:t>
+              <a:t>5/4/2025</a:t>
             </a:fld>
             <a:endParaRPr lang="en-US"/>
           </a:p>
@@ -2927,7 +2932,7 @@
           <a:p>
             <a:fld id="{E76CBBD3-E223-46C3-A8FE-F498D578C27C}" type="datetimeFigureOut">
               <a:rPr lang="en-US" smtClean="0"/>
-              <a:t>2025-05-02</a:t>
+              <a:t>5/4/2025</a:t>
             </a:fld>
             <a:endParaRPr lang="en-US"/>
           </a:p>
@@ -3564,6 +3569,136 @@
           </a:p>
         </p:txBody>
       </p:sp>
+      <p:sp>
+        <p:nvSpPr>
+          <p:cNvPr id="6" name="Freeform 5">
+            <a:extLst>
+              <a:ext uri="{FF2B5EF4-FFF2-40B4-BE49-F238E27FC236}">
+                <a16:creationId xmlns:a16="http://schemas.microsoft.com/office/drawing/2014/main" id="{38C00EEE-AC6A-06E1-E1CD-44595ED4512B}"/>
+              </a:ext>
+            </a:extLst>
+          </p:cNvPr>
+          <p:cNvSpPr/>
+          <p:nvPr/>
+        </p:nvSpPr>
+        <p:spPr>
+          <a:xfrm>
+            <a:off x="-962339" y="2870171"/>
+            <a:ext cx="3605841" cy="4970457"/>
+          </a:xfrm>
+          <a:custGeom>
+            <a:avLst/>
+            <a:gdLst/>
+            <a:ahLst/>
+            <a:cxnLst/>
+            <a:rect l="l" t="t" r="r" b="b"/>
+            <a:pathLst>
+              <a:path w="5627287" h="7756912">
+                <a:moveTo>
+                  <a:pt x="0" y="0"/>
+                </a:moveTo>
+                <a:lnTo>
+                  <a:pt x="5627287" y="0"/>
+                </a:lnTo>
+                <a:lnTo>
+                  <a:pt x="5627287" y="7756912"/>
+                </a:lnTo>
+                <a:lnTo>
+                  <a:pt x="0" y="7756912"/>
+                </a:lnTo>
+                <a:lnTo>
+                  <a:pt x="0" y="0"/>
+                </a:lnTo>
+                <a:close/>
+              </a:path>
+            </a:pathLst>
+          </a:custGeom>
+          <a:blipFill>
+            <a:blip r:embed="rId4">
+              <a:extLst>
+                <a:ext uri="{96DAC541-7B7A-43D3-8B79-37D633B846F1}">
+                  <asvg:svgBlip xmlns:asvg="http://schemas.microsoft.com/office/drawing/2016/SVG/main" r:embed="rId5"/>
+                </a:ext>
+              </a:extLst>
+            </a:blip>
+            <a:stretch>
+              <a:fillRect/>
+            </a:stretch>
+          </a:blipFill>
+        </p:spPr>
+        <p:txBody>
+          <a:bodyPr/>
+          <a:lstStyle/>
+          <a:p>
+            <a:endParaRPr lang="en-US"/>
+          </a:p>
+        </p:txBody>
+      </p:sp>
+      <p:sp>
+        <p:nvSpPr>
+          <p:cNvPr id="7" name="Freeform 6">
+            <a:extLst>
+              <a:ext uri="{FF2B5EF4-FFF2-40B4-BE49-F238E27FC236}">
+                <a16:creationId xmlns:a16="http://schemas.microsoft.com/office/drawing/2014/main" id="{62E94CF2-75F8-7B33-B0A5-BF1E6925A0F8}"/>
+              </a:ext>
+            </a:extLst>
+          </p:cNvPr>
+          <p:cNvSpPr/>
+          <p:nvPr/>
+        </p:nvSpPr>
+        <p:spPr>
+          <a:xfrm>
+            <a:off x="9866552" y="2954383"/>
+            <a:ext cx="3091660" cy="4886245"/>
+          </a:xfrm>
+          <a:custGeom>
+            <a:avLst/>
+            <a:gdLst/>
+            <a:ahLst/>
+            <a:cxnLst/>
+            <a:rect l="l" t="t" r="r" b="b"/>
+            <a:pathLst>
+              <a:path w="4824856" h="7625491">
+                <a:moveTo>
+                  <a:pt x="0" y="0"/>
+                </a:moveTo>
+                <a:lnTo>
+                  <a:pt x="4824856" y="0"/>
+                </a:lnTo>
+                <a:lnTo>
+                  <a:pt x="4824856" y="7625491"/>
+                </a:lnTo>
+                <a:lnTo>
+                  <a:pt x="0" y="7625491"/>
+                </a:lnTo>
+                <a:lnTo>
+                  <a:pt x="0" y="0"/>
+                </a:lnTo>
+                <a:close/>
+              </a:path>
+            </a:pathLst>
+          </a:custGeom>
+          <a:blipFill>
+            <a:blip r:embed="rId6">
+              <a:extLst>
+                <a:ext uri="{96DAC541-7B7A-43D3-8B79-37D633B846F1}">
+                  <asvg:svgBlip xmlns:asvg="http://schemas.microsoft.com/office/drawing/2016/SVG/main" r:embed="rId7"/>
+                </a:ext>
+              </a:extLst>
+            </a:blip>
+            <a:stretch>
+              <a:fillRect/>
+            </a:stretch>
+          </a:blipFill>
+        </p:spPr>
+        <p:txBody>
+          <a:bodyPr/>
+          <a:lstStyle/>
+          <a:p>
+            <a:endParaRPr lang="en-US"/>
+          </a:p>
+        </p:txBody>
+      </p:sp>
     </p:spTree>
     <p:extLst>
       <p:ext uri="{BB962C8B-B14F-4D97-AF65-F5344CB8AC3E}">
@@ -3602,61 +3737,6 @@
       </p:grpSpPr>
       <p:sp>
         <p:nvSpPr>
-          <p:cNvPr id="5" name="Rectangle 4">
-            <a:extLst>
-              <a:ext uri="{FF2B5EF4-FFF2-40B4-BE49-F238E27FC236}">
-                <a16:creationId xmlns:a16="http://schemas.microsoft.com/office/drawing/2014/main" id="{D8439DAC-3292-50CF-2F0E-FF2BC7DB13F6}"/>
-              </a:ext>
-            </a:extLst>
-          </p:cNvPr>
-          <p:cNvSpPr/>
-          <p:nvPr/>
-        </p:nvSpPr>
-        <p:spPr>
-          <a:xfrm>
-            <a:off x="157163" y="171450"/>
-            <a:ext cx="11844337" cy="6515100"/>
-          </a:xfrm>
-          <a:prstGeom prst="rect">
-            <a:avLst/>
-          </a:prstGeom>
-          <a:noFill/>
-          <a:ln w="381000">
-            <a:solidFill>
-              <a:schemeClr val="accent2">
-                <a:lumMod val="60000"/>
-                <a:lumOff val="40000"/>
-              </a:schemeClr>
-            </a:solidFill>
-          </a:ln>
-        </p:spPr>
-        <p:style>
-          <a:lnRef idx="2">
-            <a:schemeClr val="accent1">
-              <a:shade val="15000"/>
-            </a:schemeClr>
-          </a:lnRef>
-          <a:fillRef idx="1">
-            <a:schemeClr val="accent1"/>
-          </a:fillRef>
-          <a:effectRef idx="0">
-            <a:schemeClr val="accent1"/>
-          </a:effectRef>
-          <a:fontRef idx="minor">
-            <a:schemeClr val="lt1"/>
-          </a:fontRef>
-        </p:style>
-        <p:txBody>
-          <a:bodyPr rtlCol="0" anchor="ctr"/>
-          <a:lstStyle/>
-          <a:p>
-            <a:pPr algn="ctr"/>
-            <a:endParaRPr lang="en-US"/>
-          </a:p>
-        </p:txBody>
-      </p:sp>
-      <p:sp>
-        <p:nvSpPr>
           <p:cNvPr id="10" name="TextBox 9">
             <a:extLst>
               <a:ext uri="{FF2B5EF4-FFF2-40B4-BE49-F238E27FC236}">
@@ -3979,6 +4059,58 @@
           <a:ln>
             <a:solidFill>
               <a:schemeClr val="tx1"/>
+            </a:solidFill>
+          </a:ln>
+        </p:spPr>
+        <p:style>
+          <a:lnRef idx="2">
+            <a:schemeClr val="accent1">
+              <a:shade val="15000"/>
+            </a:schemeClr>
+          </a:lnRef>
+          <a:fillRef idx="1">
+            <a:schemeClr val="accent1"/>
+          </a:fillRef>
+          <a:effectRef idx="0">
+            <a:schemeClr val="accent1"/>
+          </a:effectRef>
+          <a:fontRef idx="minor">
+            <a:schemeClr val="lt1"/>
+          </a:fontRef>
+        </p:style>
+        <p:txBody>
+          <a:bodyPr rtlCol="0" anchor="ctr"/>
+          <a:lstStyle/>
+          <a:p>
+            <a:pPr algn="ctr"/>
+            <a:endParaRPr lang="en-US"/>
+          </a:p>
+        </p:txBody>
+      </p:sp>
+      <p:sp>
+        <p:nvSpPr>
+          <p:cNvPr id="2" name="Rectangle 1">
+            <a:extLst>
+              <a:ext uri="{FF2B5EF4-FFF2-40B4-BE49-F238E27FC236}">
+                <a16:creationId xmlns:a16="http://schemas.microsoft.com/office/drawing/2014/main" id="{AED642AB-931A-B1B0-165E-B4A8B809628A}"/>
+              </a:ext>
+            </a:extLst>
+          </p:cNvPr>
+          <p:cNvSpPr/>
+          <p:nvPr/>
+        </p:nvSpPr>
+        <p:spPr>
+          <a:xfrm>
+            <a:off x="157163" y="171450"/>
+            <a:ext cx="11844337" cy="6515100"/>
+          </a:xfrm>
+          <a:prstGeom prst="rect">
+            <a:avLst/>
+          </a:prstGeom>
+          <a:noFill/>
+          <a:ln w="381000">
+            <a:solidFill>
+              <a:srgbClr val="88B1EE"/>
             </a:solidFill>
           </a:ln>
         </p:spPr>
@@ -4045,61 +4177,6 @@
       </p:grpSpPr>
       <p:sp>
         <p:nvSpPr>
-          <p:cNvPr id="5" name="Rectangle 4">
-            <a:extLst>
-              <a:ext uri="{FF2B5EF4-FFF2-40B4-BE49-F238E27FC236}">
-                <a16:creationId xmlns:a16="http://schemas.microsoft.com/office/drawing/2014/main" id="{0EF369A7-52C3-8D99-9FC9-C2D9AEC56722}"/>
-              </a:ext>
-            </a:extLst>
-          </p:cNvPr>
-          <p:cNvSpPr/>
-          <p:nvPr/>
-        </p:nvSpPr>
-        <p:spPr>
-          <a:xfrm>
-            <a:off x="157163" y="171450"/>
-            <a:ext cx="11844337" cy="6515100"/>
-          </a:xfrm>
-          <a:prstGeom prst="rect">
-            <a:avLst/>
-          </a:prstGeom>
-          <a:noFill/>
-          <a:ln w="381000">
-            <a:solidFill>
-              <a:schemeClr val="accent2">
-                <a:lumMod val="60000"/>
-                <a:lumOff val="40000"/>
-              </a:schemeClr>
-            </a:solidFill>
-          </a:ln>
-        </p:spPr>
-        <p:style>
-          <a:lnRef idx="2">
-            <a:schemeClr val="accent1">
-              <a:shade val="15000"/>
-            </a:schemeClr>
-          </a:lnRef>
-          <a:fillRef idx="1">
-            <a:schemeClr val="accent1"/>
-          </a:fillRef>
-          <a:effectRef idx="0">
-            <a:schemeClr val="accent1"/>
-          </a:effectRef>
-          <a:fontRef idx="minor">
-            <a:schemeClr val="lt1"/>
-          </a:fontRef>
-        </p:style>
-        <p:txBody>
-          <a:bodyPr rtlCol="0" anchor="ctr"/>
-          <a:lstStyle/>
-          <a:p>
-            <a:pPr algn="ctr"/>
-            <a:endParaRPr lang="en-US"/>
-          </a:p>
-        </p:txBody>
-      </p:sp>
-      <p:sp>
-        <p:nvSpPr>
           <p:cNvPr id="10" name="TextBox 9">
             <a:extLst>
               <a:ext uri="{FF2B5EF4-FFF2-40B4-BE49-F238E27FC236}">
@@ -4464,6 +4541,58 @@
               </a:rPr>
               <a:t>hid</a:t>
             </a:r>
+          </a:p>
+        </p:txBody>
+      </p:sp>
+      <p:sp>
+        <p:nvSpPr>
+          <p:cNvPr id="4" name="Rectangle 3">
+            <a:extLst>
+              <a:ext uri="{FF2B5EF4-FFF2-40B4-BE49-F238E27FC236}">
+                <a16:creationId xmlns:a16="http://schemas.microsoft.com/office/drawing/2014/main" id="{32F6A909-AE4F-EF8B-09D7-91AC31E4C2B6}"/>
+              </a:ext>
+            </a:extLst>
+          </p:cNvPr>
+          <p:cNvSpPr/>
+          <p:nvPr/>
+        </p:nvSpPr>
+        <p:spPr>
+          <a:xfrm>
+            <a:off x="157163" y="171450"/>
+            <a:ext cx="11844337" cy="6515100"/>
+          </a:xfrm>
+          <a:prstGeom prst="rect">
+            <a:avLst/>
+          </a:prstGeom>
+          <a:noFill/>
+          <a:ln w="381000">
+            <a:solidFill>
+              <a:srgbClr val="88B1EE"/>
+            </a:solidFill>
+          </a:ln>
+        </p:spPr>
+        <p:style>
+          <a:lnRef idx="2">
+            <a:schemeClr val="accent1">
+              <a:shade val="15000"/>
+            </a:schemeClr>
+          </a:lnRef>
+          <a:fillRef idx="1">
+            <a:schemeClr val="accent1"/>
+          </a:fillRef>
+          <a:effectRef idx="0">
+            <a:schemeClr val="accent1"/>
+          </a:effectRef>
+          <a:fontRef idx="minor">
+            <a:schemeClr val="lt1"/>
+          </a:fontRef>
+        </p:style>
+        <p:txBody>
+          <a:bodyPr rtlCol="0" anchor="ctr"/>
+          <a:lstStyle/>
+          <a:p>
+            <a:pPr algn="ctr"/>
+            <a:endParaRPr lang="en-US"/>
           </a:p>
         </p:txBody>
       </p:sp>
@@ -4505,61 +4634,6 @@
       </p:grpSpPr>
       <p:sp>
         <p:nvSpPr>
-          <p:cNvPr id="5" name="Rectangle 4">
-            <a:extLst>
-              <a:ext uri="{FF2B5EF4-FFF2-40B4-BE49-F238E27FC236}">
-                <a16:creationId xmlns:a16="http://schemas.microsoft.com/office/drawing/2014/main" id="{41A97F76-FCCA-3FF4-5837-B8A32F8A2E26}"/>
-              </a:ext>
-            </a:extLst>
-          </p:cNvPr>
-          <p:cNvSpPr/>
-          <p:nvPr/>
-        </p:nvSpPr>
-        <p:spPr>
-          <a:xfrm>
-            <a:off x="157163" y="171450"/>
-            <a:ext cx="11844337" cy="6515100"/>
-          </a:xfrm>
-          <a:prstGeom prst="rect">
-            <a:avLst/>
-          </a:prstGeom>
-          <a:noFill/>
-          <a:ln w="381000">
-            <a:solidFill>
-              <a:schemeClr val="accent2">
-                <a:lumMod val="60000"/>
-                <a:lumOff val="40000"/>
-              </a:schemeClr>
-            </a:solidFill>
-          </a:ln>
-        </p:spPr>
-        <p:style>
-          <a:lnRef idx="2">
-            <a:schemeClr val="accent1">
-              <a:shade val="15000"/>
-            </a:schemeClr>
-          </a:lnRef>
-          <a:fillRef idx="1">
-            <a:schemeClr val="accent1"/>
-          </a:fillRef>
-          <a:effectRef idx="0">
-            <a:schemeClr val="accent1"/>
-          </a:effectRef>
-          <a:fontRef idx="minor">
-            <a:schemeClr val="lt1"/>
-          </a:fontRef>
-        </p:style>
-        <p:txBody>
-          <a:bodyPr rtlCol="0" anchor="ctr"/>
-          <a:lstStyle/>
-          <a:p>
-            <a:pPr algn="ctr"/>
-            <a:endParaRPr lang="en-US"/>
-          </a:p>
-        </p:txBody>
-      </p:sp>
-      <p:sp>
-        <p:nvSpPr>
           <p:cNvPr id="10" name="TextBox 9">
             <a:extLst>
               <a:ext uri="{FF2B5EF4-FFF2-40B4-BE49-F238E27FC236}">
@@ -4886,6 +4960,58 @@
           <a:ln>
             <a:solidFill>
               <a:schemeClr val="tx1"/>
+            </a:solidFill>
+          </a:ln>
+        </p:spPr>
+        <p:style>
+          <a:lnRef idx="2">
+            <a:schemeClr val="accent1">
+              <a:shade val="15000"/>
+            </a:schemeClr>
+          </a:lnRef>
+          <a:fillRef idx="1">
+            <a:schemeClr val="accent1"/>
+          </a:fillRef>
+          <a:effectRef idx="0">
+            <a:schemeClr val="accent1"/>
+          </a:effectRef>
+          <a:fontRef idx="minor">
+            <a:schemeClr val="lt1"/>
+          </a:fontRef>
+        </p:style>
+        <p:txBody>
+          <a:bodyPr rtlCol="0" anchor="ctr"/>
+          <a:lstStyle/>
+          <a:p>
+            <a:pPr algn="ctr"/>
+            <a:endParaRPr lang="en-US"/>
+          </a:p>
+        </p:txBody>
+      </p:sp>
+      <p:sp>
+        <p:nvSpPr>
+          <p:cNvPr id="2" name="Rectangle 1">
+            <a:extLst>
+              <a:ext uri="{FF2B5EF4-FFF2-40B4-BE49-F238E27FC236}">
+                <a16:creationId xmlns:a16="http://schemas.microsoft.com/office/drawing/2014/main" id="{EAF92647-9722-189E-2692-3C411F303C58}"/>
+              </a:ext>
+            </a:extLst>
+          </p:cNvPr>
+          <p:cNvSpPr/>
+          <p:nvPr/>
+        </p:nvSpPr>
+        <p:spPr>
+          <a:xfrm>
+            <a:off x="157163" y="171450"/>
+            <a:ext cx="11844337" cy="6515100"/>
+          </a:xfrm>
+          <a:prstGeom prst="rect">
+            <a:avLst/>
+          </a:prstGeom>
+          <a:noFill/>
+          <a:ln w="381000">
+            <a:solidFill>
+              <a:srgbClr val="88B1EE"/>
             </a:solidFill>
           </a:ln>
         </p:spPr>
@@ -4952,61 +5078,6 @@
       </p:grpSpPr>
       <p:sp>
         <p:nvSpPr>
-          <p:cNvPr id="5" name="Rectangle 4">
-            <a:extLst>
-              <a:ext uri="{FF2B5EF4-FFF2-40B4-BE49-F238E27FC236}">
-                <a16:creationId xmlns:a16="http://schemas.microsoft.com/office/drawing/2014/main" id="{C16BB534-ACD7-9ABC-9DF3-ACA8A429246A}"/>
-              </a:ext>
-            </a:extLst>
-          </p:cNvPr>
-          <p:cNvSpPr/>
-          <p:nvPr/>
-        </p:nvSpPr>
-        <p:spPr>
-          <a:xfrm>
-            <a:off x="157163" y="171450"/>
-            <a:ext cx="11844337" cy="6515100"/>
-          </a:xfrm>
-          <a:prstGeom prst="rect">
-            <a:avLst/>
-          </a:prstGeom>
-          <a:noFill/>
-          <a:ln w="381000">
-            <a:solidFill>
-              <a:schemeClr val="accent2">
-                <a:lumMod val="60000"/>
-                <a:lumOff val="40000"/>
-              </a:schemeClr>
-            </a:solidFill>
-          </a:ln>
-        </p:spPr>
-        <p:style>
-          <a:lnRef idx="2">
-            <a:schemeClr val="accent1">
-              <a:shade val="15000"/>
-            </a:schemeClr>
-          </a:lnRef>
-          <a:fillRef idx="1">
-            <a:schemeClr val="accent1"/>
-          </a:fillRef>
-          <a:effectRef idx="0">
-            <a:schemeClr val="accent1"/>
-          </a:effectRef>
-          <a:fontRef idx="minor">
-            <a:schemeClr val="lt1"/>
-          </a:fontRef>
-        </p:style>
-        <p:txBody>
-          <a:bodyPr rtlCol="0" anchor="ctr"/>
-          <a:lstStyle/>
-          <a:p>
-            <a:pPr algn="ctr"/>
-            <a:endParaRPr lang="en-US"/>
-          </a:p>
-        </p:txBody>
-      </p:sp>
-      <p:sp>
-        <p:nvSpPr>
           <p:cNvPr id="10" name="TextBox 9">
             <a:extLst>
               <a:ext uri="{FF2B5EF4-FFF2-40B4-BE49-F238E27FC236}">
@@ -5375,6 +5446,58 @@
               </a:rPr>
               <a:t>told</a:t>
             </a:r>
+          </a:p>
+        </p:txBody>
+      </p:sp>
+      <p:sp>
+        <p:nvSpPr>
+          <p:cNvPr id="3" name="Rectangle 2">
+            <a:extLst>
+              <a:ext uri="{FF2B5EF4-FFF2-40B4-BE49-F238E27FC236}">
+                <a16:creationId xmlns:a16="http://schemas.microsoft.com/office/drawing/2014/main" id="{432B40A0-BCB1-D130-C823-31EB9AD792B3}"/>
+              </a:ext>
+            </a:extLst>
+          </p:cNvPr>
+          <p:cNvSpPr/>
+          <p:nvPr/>
+        </p:nvSpPr>
+        <p:spPr>
+          <a:xfrm>
+            <a:off x="157163" y="171450"/>
+            <a:ext cx="11844337" cy="6515100"/>
+          </a:xfrm>
+          <a:prstGeom prst="rect">
+            <a:avLst/>
+          </a:prstGeom>
+          <a:noFill/>
+          <a:ln w="381000">
+            <a:solidFill>
+              <a:srgbClr val="88B1EE"/>
+            </a:solidFill>
+          </a:ln>
+        </p:spPr>
+        <p:style>
+          <a:lnRef idx="2">
+            <a:schemeClr val="accent1">
+              <a:shade val="15000"/>
+            </a:schemeClr>
+          </a:lnRef>
+          <a:fillRef idx="1">
+            <a:schemeClr val="accent1"/>
+          </a:fillRef>
+          <a:effectRef idx="0">
+            <a:schemeClr val="accent1"/>
+          </a:effectRef>
+          <a:fontRef idx="minor">
+            <a:schemeClr val="lt1"/>
+          </a:fontRef>
+        </p:style>
+        <p:txBody>
+          <a:bodyPr rtlCol="0" anchor="ctr"/>
+          <a:lstStyle/>
+          <a:p>
+            <a:pPr algn="ctr"/>
+            <a:endParaRPr lang="en-US"/>
           </a:p>
         </p:txBody>
       </p:sp>
@@ -5416,61 +5539,6 @@
       </p:grpSpPr>
       <p:sp>
         <p:nvSpPr>
-          <p:cNvPr id="5" name="Rectangle 4">
-            <a:extLst>
-              <a:ext uri="{FF2B5EF4-FFF2-40B4-BE49-F238E27FC236}">
-                <a16:creationId xmlns:a16="http://schemas.microsoft.com/office/drawing/2014/main" id="{95027428-7420-5EA5-20FB-6DDD9D2CE5BB}"/>
-              </a:ext>
-            </a:extLst>
-          </p:cNvPr>
-          <p:cNvSpPr/>
-          <p:nvPr/>
-        </p:nvSpPr>
-        <p:spPr>
-          <a:xfrm>
-            <a:off x="157163" y="171450"/>
-            <a:ext cx="11844337" cy="6515100"/>
-          </a:xfrm>
-          <a:prstGeom prst="rect">
-            <a:avLst/>
-          </a:prstGeom>
-          <a:noFill/>
-          <a:ln w="381000">
-            <a:solidFill>
-              <a:schemeClr val="accent2">
-                <a:lumMod val="60000"/>
-                <a:lumOff val="40000"/>
-              </a:schemeClr>
-            </a:solidFill>
-          </a:ln>
-        </p:spPr>
-        <p:style>
-          <a:lnRef idx="2">
-            <a:schemeClr val="accent1">
-              <a:shade val="15000"/>
-            </a:schemeClr>
-          </a:lnRef>
-          <a:fillRef idx="1">
-            <a:schemeClr val="accent1"/>
-          </a:fillRef>
-          <a:effectRef idx="0">
-            <a:schemeClr val="accent1"/>
-          </a:effectRef>
-          <a:fontRef idx="minor">
-            <a:schemeClr val="lt1"/>
-          </a:fontRef>
-        </p:style>
-        <p:txBody>
-          <a:bodyPr rtlCol="0" anchor="ctr"/>
-          <a:lstStyle/>
-          <a:p>
-            <a:pPr algn="ctr"/>
-            <a:endParaRPr lang="en-US"/>
-          </a:p>
-        </p:txBody>
-      </p:sp>
-      <p:sp>
-        <p:nvSpPr>
           <p:cNvPr id="10" name="TextBox 9">
             <a:extLst>
               <a:ext uri="{FF2B5EF4-FFF2-40B4-BE49-F238E27FC236}">
@@ -5797,6 +5865,58 @@
           <a:ln>
             <a:solidFill>
               <a:schemeClr val="tx1"/>
+            </a:solidFill>
+          </a:ln>
+        </p:spPr>
+        <p:style>
+          <a:lnRef idx="2">
+            <a:schemeClr val="accent1">
+              <a:shade val="15000"/>
+            </a:schemeClr>
+          </a:lnRef>
+          <a:fillRef idx="1">
+            <a:schemeClr val="accent1"/>
+          </a:fillRef>
+          <a:effectRef idx="0">
+            <a:schemeClr val="accent1"/>
+          </a:effectRef>
+          <a:fontRef idx="minor">
+            <a:schemeClr val="lt1"/>
+          </a:fontRef>
+        </p:style>
+        <p:txBody>
+          <a:bodyPr rtlCol="0" anchor="ctr"/>
+          <a:lstStyle/>
+          <a:p>
+            <a:pPr algn="ctr"/>
+            <a:endParaRPr lang="en-US"/>
+          </a:p>
+        </p:txBody>
+      </p:sp>
+      <p:sp>
+        <p:nvSpPr>
+          <p:cNvPr id="2" name="Rectangle 1">
+            <a:extLst>
+              <a:ext uri="{FF2B5EF4-FFF2-40B4-BE49-F238E27FC236}">
+                <a16:creationId xmlns:a16="http://schemas.microsoft.com/office/drawing/2014/main" id="{AE5FEE4C-A6B4-D5F4-5F85-860A3F191201}"/>
+              </a:ext>
+            </a:extLst>
+          </p:cNvPr>
+          <p:cNvSpPr/>
+          <p:nvPr/>
+        </p:nvSpPr>
+        <p:spPr>
+          <a:xfrm>
+            <a:off x="157163" y="171450"/>
+            <a:ext cx="11844337" cy="6515100"/>
+          </a:xfrm>
+          <a:prstGeom prst="rect">
+            <a:avLst/>
+          </a:prstGeom>
+          <a:noFill/>
+          <a:ln w="381000">
+            <a:solidFill>
+              <a:srgbClr val="88B1EE"/>
             </a:solidFill>
           </a:ln>
         </p:spPr>
@@ -5863,61 +5983,6 @@
       </p:grpSpPr>
       <p:sp>
         <p:nvSpPr>
-          <p:cNvPr id="5" name="Rectangle 4">
-            <a:extLst>
-              <a:ext uri="{FF2B5EF4-FFF2-40B4-BE49-F238E27FC236}">
-                <a16:creationId xmlns:a16="http://schemas.microsoft.com/office/drawing/2014/main" id="{187923A3-2383-400B-55F7-F5DB781C40DF}"/>
-              </a:ext>
-            </a:extLst>
-          </p:cNvPr>
-          <p:cNvSpPr/>
-          <p:nvPr/>
-        </p:nvSpPr>
-        <p:spPr>
-          <a:xfrm>
-            <a:off x="157163" y="171450"/>
-            <a:ext cx="11844337" cy="6515100"/>
-          </a:xfrm>
-          <a:prstGeom prst="rect">
-            <a:avLst/>
-          </a:prstGeom>
-          <a:noFill/>
-          <a:ln w="381000">
-            <a:solidFill>
-              <a:schemeClr val="accent2">
-                <a:lumMod val="60000"/>
-                <a:lumOff val="40000"/>
-              </a:schemeClr>
-            </a:solidFill>
-          </a:ln>
-        </p:spPr>
-        <p:style>
-          <a:lnRef idx="2">
-            <a:schemeClr val="accent1">
-              <a:shade val="15000"/>
-            </a:schemeClr>
-          </a:lnRef>
-          <a:fillRef idx="1">
-            <a:schemeClr val="accent1"/>
-          </a:fillRef>
-          <a:effectRef idx="0">
-            <a:schemeClr val="accent1"/>
-          </a:effectRef>
-          <a:fontRef idx="minor">
-            <a:schemeClr val="lt1"/>
-          </a:fontRef>
-        </p:style>
-        <p:txBody>
-          <a:bodyPr rtlCol="0" anchor="ctr"/>
-          <a:lstStyle/>
-          <a:p>
-            <a:pPr algn="ctr"/>
-            <a:endParaRPr lang="en-US"/>
-          </a:p>
-        </p:txBody>
-      </p:sp>
-      <p:sp>
-        <p:nvSpPr>
           <p:cNvPr id="10" name="TextBox 9">
             <a:extLst>
               <a:ext uri="{FF2B5EF4-FFF2-40B4-BE49-F238E27FC236}">
@@ -6286,6 +6351,58 @@
               </a:rPr>
               <a:t>hold</a:t>
             </a:r>
+          </a:p>
+        </p:txBody>
+      </p:sp>
+      <p:sp>
+        <p:nvSpPr>
+          <p:cNvPr id="3" name="Rectangle 2">
+            <a:extLst>
+              <a:ext uri="{FF2B5EF4-FFF2-40B4-BE49-F238E27FC236}">
+                <a16:creationId xmlns:a16="http://schemas.microsoft.com/office/drawing/2014/main" id="{6ECF639A-50EC-54AC-AA2D-537985515596}"/>
+              </a:ext>
+            </a:extLst>
+          </p:cNvPr>
+          <p:cNvSpPr/>
+          <p:nvPr/>
+        </p:nvSpPr>
+        <p:spPr>
+          <a:xfrm>
+            <a:off x="157163" y="171450"/>
+            <a:ext cx="11844337" cy="6515100"/>
+          </a:xfrm>
+          <a:prstGeom prst="rect">
+            <a:avLst/>
+          </a:prstGeom>
+          <a:noFill/>
+          <a:ln w="381000">
+            <a:solidFill>
+              <a:srgbClr val="88B1EE"/>
+            </a:solidFill>
+          </a:ln>
+        </p:spPr>
+        <p:style>
+          <a:lnRef idx="2">
+            <a:schemeClr val="accent1">
+              <a:shade val="15000"/>
+            </a:schemeClr>
+          </a:lnRef>
+          <a:fillRef idx="1">
+            <a:schemeClr val="accent1"/>
+          </a:fillRef>
+          <a:effectRef idx="0">
+            <a:schemeClr val="accent1"/>
+          </a:effectRef>
+          <a:fontRef idx="minor">
+            <a:schemeClr val="lt1"/>
+          </a:fontRef>
+        </p:style>
+        <p:txBody>
+          <a:bodyPr rtlCol="0" anchor="ctr"/>
+          <a:lstStyle/>
+          <a:p>
+            <a:pPr algn="ctr"/>
+            <a:endParaRPr lang="en-US"/>
           </a:p>
         </p:txBody>
       </p:sp>
@@ -6327,61 +6444,6 @@
       </p:grpSpPr>
       <p:sp>
         <p:nvSpPr>
-          <p:cNvPr id="5" name="Rectangle 4">
-            <a:extLst>
-              <a:ext uri="{FF2B5EF4-FFF2-40B4-BE49-F238E27FC236}">
-                <a16:creationId xmlns:a16="http://schemas.microsoft.com/office/drawing/2014/main" id="{74DF076B-D847-C414-CCAE-EB96B42E4A7C}"/>
-              </a:ext>
-            </a:extLst>
-          </p:cNvPr>
-          <p:cNvSpPr/>
-          <p:nvPr/>
-        </p:nvSpPr>
-        <p:spPr>
-          <a:xfrm>
-            <a:off x="157163" y="171450"/>
-            <a:ext cx="11844337" cy="6515100"/>
-          </a:xfrm>
-          <a:prstGeom prst="rect">
-            <a:avLst/>
-          </a:prstGeom>
-          <a:noFill/>
-          <a:ln w="381000">
-            <a:solidFill>
-              <a:schemeClr val="accent2">
-                <a:lumMod val="60000"/>
-                <a:lumOff val="40000"/>
-              </a:schemeClr>
-            </a:solidFill>
-          </a:ln>
-        </p:spPr>
-        <p:style>
-          <a:lnRef idx="2">
-            <a:schemeClr val="accent1">
-              <a:shade val="15000"/>
-            </a:schemeClr>
-          </a:lnRef>
-          <a:fillRef idx="1">
-            <a:schemeClr val="accent1"/>
-          </a:fillRef>
-          <a:effectRef idx="0">
-            <a:schemeClr val="accent1"/>
-          </a:effectRef>
-          <a:fontRef idx="minor">
-            <a:schemeClr val="lt1"/>
-          </a:fontRef>
-        </p:style>
-        <p:txBody>
-          <a:bodyPr rtlCol="0" anchor="ctr"/>
-          <a:lstStyle/>
-          <a:p>
-            <a:pPr algn="ctr"/>
-            <a:endParaRPr lang="en-US"/>
-          </a:p>
-        </p:txBody>
-      </p:sp>
-      <p:sp>
-        <p:nvSpPr>
           <p:cNvPr id="10" name="TextBox 9">
             <a:extLst>
               <a:ext uri="{FF2B5EF4-FFF2-40B4-BE49-F238E27FC236}">
@@ -6704,6 +6766,58 @@
           <a:ln>
             <a:solidFill>
               <a:schemeClr val="tx1"/>
+            </a:solidFill>
+          </a:ln>
+        </p:spPr>
+        <p:style>
+          <a:lnRef idx="2">
+            <a:schemeClr val="accent1">
+              <a:shade val="15000"/>
+            </a:schemeClr>
+          </a:lnRef>
+          <a:fillRef idx="1">
+            <a:schemeClr val="accent1"/>
+          </a:fillRef>
+          <a:effectRef idx="0">
+            <a:schemeClr val="accent1"/>
+          </a:effectRef>
+          <a:fontRef idx="minor">
+            <a:schemeClr val="lt1"/>
+          </a:fontRef>
+        </p:style>
+        <p:txBody>
+          <a:bodyPr rtlCol="0" anchor="ctr"/>
+          <a:lstStyle/>
+          <a:p>
+            <a:pPr algn="ctr"/>
+            <a:endParaRPr lang="en-US"/>
+          </a:p>
+        </p:txBody>
+      </p:sp>
+      <p:sp>
+        <p:nvSpPr>
+          <p:cNvPr id="2" name="Rectangle 1">
+            <a:extLst>
+              <a:ext uri="{FF2B5EF4-FFF2-40B4-BE49-F238E27FC236}">
+                <a16:creationId xmlns:a16="http://schemas.microsoft.com/office/drawing/2014/main" id="{707A095B-867E-A8AC-76BB-E2E1B6506E5A}"/>
+              </a:ext>
+            </a:extLst>
+          </p:cNvPr>
+          <p:cNvSpPr/>
+          <p:nvPr/>
+        </p:nvSpPr>
+        <p:spPr>
+          <a:xfrm>
+            <a:off x="157163" y="171450"/>
+            <a:ext cx="11844337" cy="6515100"/>
+          </a:xfrm>
+          <a:prstGeom prst="rect">
+            <a:avLst/>
+          </a:prstGeom>
+          <a:noFill/>
+          <a:ln w="381000">
+            <a:solidFill>
+              <a:srgbClr val="88B1EE"/>
             </a:solidFill>
           </a:ln>
         </p:spPr>
@@ -6770,61 +6884,6 @@
       </p:grpSpPr>
       <p:sp>
         <p:nvSpPr>
-          <p:cNvPr id="5" name="Rectangle 4">
-            <a:extLst>
-              <a:ext uri="{FF2B5EF4-FFF2-40B4-BE49-F238E27FC236}">
-                <a16:creationId xmlns:a16="http://schemas.microsoft.com/office/drawing/2014/main" id="{EA26D698-C03D-D256-E861-CF9F0295AC97}"/>
-              </a:ext>
-            </a:extLst>
-          </p:cNvPr>
-          <p:cNvSpPr/>
-          <p:nvPr/>
-        </p:nvSpPr>
-        <p:spPr>
-          <a:xfrm>
-            <a:off x="157163" y="171450"/>
-            <a:ext cx="11844337" cy="6515100"/>
-          </a:xfrm>
-          <a:prstGeom prst="rect">
-            <a:avLst/>
-          </a:prstGeom>
-          <a:noFill/>
-          <a:ln w="381000">
-            <a:solidFill>
-              <a:schemeClr val="accent2">
-                <a:lumMod val="60000"/>
-                <a:lumOff val="40000"/>
-              </a:schemeClr>
-            </a:solidFill>
-          </a:ln>
-        </p:spPr>
-        <p:style>
-          <a:lnRef idx="2">
-            <a:schemeClr val="accent1">
-              <a:shade val="15000"/>
-            </a:schemeClr>
-          </a:lnRef>
-          <a:fillRef idx="1">
-            <a:schemeClr val="accent1"/>
-          </a:fillRef>
-          <a:effectRef idx="0">
-            <a:schemeClr val="accent1"/>
-          </a:effectRef>
-          <a:fontRef idx="minor">
-            <a:schemeClr val="lt1"/>
-          </a:fontRef>
-        </p:style>
-        <p:txBody>
-          <a:bodyPr rtlCol="0" anchor="ctr"/>
-          <a:lstStyle/>
-          <a:p>
-            <a:pPr algn="ctr"/>
-            <a:endParaRPr lang="en-US"/>
-          </a:p>
-        </p:txBody>
-      </p:sp>
-      <p:sp>
-        <p:nvSpPr>
           <p:cNvPr id="10" name="TextBox 9">
             <a:extLst>
               <a:ext uri="{FF2B5EF4-FFF2-40B4-BE49-F238E27FC236}">
@@ -7189,6 +7248,58 @@
               </a:rPr>
               <a:t>rang</a:t>
             </a:r>
+          </a:p>
+        </p:txBody>
+      </p:sp>
+      <p:sp>
+        <p:nvSpPr>
+          <p:cNvPr id="3" name="Rectangle 2">
+            <a:extLst>
+              <a:ext uri="{FF2B5EF4-FFF2-40B4-BE49-F238E27FC236}">
+                <a16:creationId xmlns:a16="http://schemas.microsoft.com/office/drawing/2014/main" id="{094BAA08-2E93-42A4-81CB-AD24927A1E73}"/>
+              </a:ext>
+            </a:extLst>
+          </p:cNvPr>
+          <p:cNvSpPr/>
+          <p:nvPr/>
+        </p:nvSpPr>
+        <p:spPr>
+          <a:xfrm>
+            <a:off x="157163" y="171450"/>
+            <a:ext cx="11844337" cy="6515100"/>
+          </a:xfrm>
+          <a:prstGeom prst="rect">
+            <a:avLst/>
+          </a:prstGeom>
+          <a:noFill/>
+          <a:ln w="381000">
+            <a:solidFill>
+              <a:srgbClr val="88B1EE"/>
+            </a:solidFill>
+          </a:ln>
+        </p:spPr>
+        <p:style>
+          <a:lnRef idx="2">
+            <a:schemeClr val="accent1">
+              <a:shade val="15000"/>
+            </a:schemeClr>
+          </a:lnRef>
+          <a:fillRef idx="1">
+            <a:schemeClr val="accent1"/>
+          </a:fillRef>
+          <a:effectRef idx="0">
+            <a:schemeClr val="accent1"/>
+          </a:effectRef>
+          <a:fontRef idx="minor">
+            <a:schemeClr val="lt1"/>
+          </a:fontRef>
+        </p:style>
+        <p:txBody>
+          <a:bodyPr rtlCol="0" anchor="ctr"/>
+          <a:lstStyle/>
+          <a:p>
+            <a:pPr algn="ctr"/>
+            <a:endParaRPr lang="en-US"/>
           </a:p>
         </p:txBody>
       </p:sp>
@@ -7230,61 +7341,6 @@
       </p:grpSpPr>
       <p:sp>
         <p:nvSpPr>
-          <p:cNvPr id="5" name="Rectangle 4">
-            <a:extLst>
-              <a:ext uri="{FF2B5EF4-FFF2-40B4-BE49-F238E27FC236}">
-                <a16:creationId xmlns:a16="http://schemas.microsoft.com/office/drawing/2014/main" id="{988D0208-5BCF-D86C-A771-F66F36C147D9}"/>
-              </a:ext>
-            </a:extLst>
-          </p:cNvPr>
-          <p:cNvSpPr/>
-          <p:nvPr/>
-        </p:nvSpPr>
-        <p:spPr>
-          <a:xfrm>
-            <a:off x="157163" y="171450"/>
-            <a:ext cx="11844337" cy="6515100"/>
-          </a:xfrm>
-          <a:prstGeom prst="rect">
-            <a:avLst/>
-          </a:prstGeom>
-          <a:noFill/>
-          <a:ln w="381000">
-            <a:solidFill>
-              <a:schemeClr val="accent2">
-                <a:lumMod val="60000"/>
-                <a:lumOff val="40000"/>
-              </a:schemeClr>
-            </a:solidFill>
-          </a:ln>
-        </p:spPr>
-        <p:style>
-          <a:lnRef idx="2">
-            <a:schemeClr val="accent1">
-              <a:shade val="15000"/>
-            </a:schemeClr>
-          </a:lnRef>
-          <a:fillRef idx="1">
-            <a:schemeClr val="accent1"/>
-          </a:fillRef>
-          <a:effectRef idx="0">
-            <a:schemeClr val="accent1"/>
-          </a:effectRef>
-          <a:fontRef idx="minor">
-            <a:schemeClr val="lt1"/>
-          </a:fontRef>
-        </p:style>
-        <p:txBody>
-          <a:bodyPr rtlCol="0" anchor="ctr"/>
-          <a:lstStyle/>
-          <a:p>
-            <a:pPr algn="ctr"/>
-            <a:endParaRPr lang="en-US"/>
-          </a:p>
-        </p:txBody>
-      </p:sp>
-      <p:sp>
-        <p:nvSpPr>
           <p:cNvPr id="10" name="TextBox 9">
             <a:extLst>
               <a:ext uri="{FF2B5EF4-FFF2-40B4-BE49-F238E27FC236}">
@@ -7603,6 +7659,58 @@
           <a:ln>
             <a:solidFill>
               <a:schemeClr val="tx1"/>
+            </a:solidFill>
+          </a:ln>
+        </p:spPr>
+        <p:style>
+          <a:lnRef idx="2">
+            <a:schemeClr val="accent1">
+              <a:shade val="15000"/>
+            </a:schemeClr>
+          </a:lnRef>
+          <a:fillRef idx="1">
+            <a:schemeClr val="accent1"/>
+          </a:fillRef>
+          <a:effectRef idx="0">
+            <a:schemeClr val="accent1"/>
+          </a:effectRef>
+          <a:fontRef idx="minor">
+            <a:schemeClr val="lt1"/>
+          </a:fontRef>
+        </p:style>
+        <p:txBody>
+          <a:bodyPr rtlCol="0" anchor="ctr"/>
+          <a:lstStyle/>
+          <a:p>
+            <a:pPr algn="ctr"/>
+            <a:endParaRPr lang="en-US"/>
+          </a:p>
+        </p:txBody>
+      </p:sp>
+      <p:sp>
+        <p:nvSpPr>
+          <p:cNvPr id="2" name="Rectangle 1">
+            <a:extLst>
+              <a:ext uri="{FF2B5EF4-FFF2-40B4-BE49-F238E27FC236}">
+                <a16:creationId xmlns:a16="http://schemas.microsoft.com/office/drawing/2014/main" id="{2D222AAF-ED53-4DED-90B8-62ADEE73D807}"/>
+              </a:ext>
+            </a:extLst>
+          </p:cNvPr>
+          <p:cNvSpPr/>
+          <p:nvPr/>
+        </p:nvSpPr>
+        <p:spPr>
+          <a:xfrm>
+            <a:off x="157163" y="171450"/>
+            <a:ext cx="11844337" cy="6515100"/>
+          </a:xfrm>
+          <a:prstGeom prst="rect">
+            <a:avLst/>
+          </a:prstGeom>
+          <a:noFill/>
+          <a:ln w="381000">
+            <a:solidFill>
+              <a:srgbClr val="88B1EE"/>
             </a:solidFill>
           </a:ln>
         </p:spPr>
@@ -7669,61 +7777,6 @@
       </p:grpSpPr>
       <p:sp>
         <p:nvSpPr>
-          <p:cNvPr id="5" name="Rectangle 4">
-            <a:extLst>
-              <a:ext uri="{FF2B5EF4-FFF2-40B4-BE49-F238E27FC236}">
-                <a16:creationId xmlns:a16="http://schemas.microsoft.com/office/drawing/2014/main" id="{6272C7B1-D7EB-CC12-C8E6-F54532A70589}"/>
-              </a:ext>
-            </a:extLst>
-          </p:cNvPr>
-          <p:cNvSpPr/>
-          <p:nvPr/>
-        </p:nvSpPr>
-        <p:spPr>
-          <a:xfrm>
-            <a:off x="157163" y="171450"/>
-            <a:ext cx="11844337" cy="6515100"/>
-          </a:xfrm>
-          <a:prstGeom prst="rect">
-            <a:avLst/>
-          </a:prstGeom>
-          <a:noFill/>
-          <a:ln w="381000">
-            <a:solidFill>
-              <a:schemeClr val="accent2">
-                <a:lumMod val="60000"/>
-                <a:lumOff val="40000"/>
-              </a:schemeClr>
-            </a:solidFill>
-          </a:ln>
-        </p:spPr>
-        <p:style>
-          <a:lnRef idx="2">
-            <a:schemeClr val="accent1">
-              <a:shade val="15000"/>
-            </a:schemeClr>
-          </a:lnRef>
-          <a:fillRef idx="1">
-            <a:schemeClr val="accent1"/>
-          </a:fillRef>
-          <a:effectRef idx="0">
-            <a:schemeClr val="accent1"/>
-          </a:effectRef>
-          <a:fontRef idx="minor">
-            <a:schemeClr val="lt1"/>
-          </a:fontRef>
-        </p:style>
-        <p:txBody>
-          <a:bodyPr rtlCol="0" anchor="ctr"/>
-          <a:lstStyle/>
-          <a:p>
-            <a:pPr algn="ctr"/>
-            <a:endParaRPr lang="en-US"/>
-          </a:p>
-        </p:txBody>
-      </p:sp>
-      <p:sp>
-        <p:nvSpPr>
           <p:cNvPr id="10" name="TextBox 9">
             <a:extLst>
               <a:ext uri="{FF2B5EF4-FFF2-40B4-BE49-F238E27FC236}">
@@ -8084,6 +8137,58 @@
               </a:rPr>
               <a:t>saw</a:t>
             </a:r>
+          </a:p>
+        </p:txBody>
+      </p:sp>
+      <p:sp>
+        <p:nvSpPr>
+          <p:cNvPr id="3" name="Rectangle 2">
+            <a:extLst>
+              <a:ext uri="{FF2B5EF4-FFF2-40B4-BE49-F238E27FC236}">
+                <a16:creationId xmlns:a16="http://schemas.microsoft.com/office/drawing/2014/main" id="{A22FF1F7-37F3-641E-69A7-9C937CAB2628}"/>
+              </a:ext>
+            </a:extLst>
+          </p:cNvPr>
+          <p:cNvSpPr/>
+          <p:nvPr/>
+        </p:nvSpPr>
+        <p:spPr>
+          <a:xfrm>
+            <a:off x="157163" y="171450"/>
+            <a:ext cx="11844337" cy="6515100"/>
+          </a:xfrm>
+          <a:prstGeom prst="rect">
+            <a:avLst/>
+          </a:prstGeom>
+          <a:noFill/>
+          <a:ln w="381000">
+            <a:solidFill>
+              <a:srgbClr val="88B1EE"/>
+            </a:solidFill>
+          </a:ln>
+        </p:spPr>
+        <p:style>
+          <a:lnRef idx="2">
+            <a:schemeClr val="accent1">
+              <a:shade val="15000"/>
+            </a:schemeClr>
+          </a:lnRef>
+          <a:fillRef idx="1">
+            <a:schemeClr val="accent1"/>
+          </a:fillRef>
+          <a:effectRef idx="0">
+            <a:schemeClr val="accent1"/>
+          </a:effectRef>
+          <a:fontRef idx="minor">
+            <a:schemeClr val="lt1"/>
+          </a:fontRef>
+        </p:style>
+        <p:txBody>
+          <a:bodyPr rtlCol="0" anchor="ctr"/>
+          <a:lstStyle/>
+          <a:p>
+            <a:pPr algn="ctr"/>
+            <a:endParaRPr lang="en-US"/>
           </a:p>
         </p:txBody>
       </p:sp>
@@ -8211,9 +8316,9 @@
           <a:noFill/>
           <a:ln w="381000">
             <a:solidFill>
-              <a:schemeClr val="accent2">
-                <a:lumMod val="60000"/>
-                <a:lumOff val="40000"/>
+              <a:schemeClr val="tx1">
+                <a:lumMod val="50000"/>
+                <a:lumOff val="50000"/>
               </a:schemeClr>
             </a:solidFill>
           </a:ln>
@@ -8348,6 +8453,136 @@
               </a:rPr>
               <a:t> pattern.</a:t>
             </a:r>
+          </a:p>
+        </p:txBody>
+      </p:sp>
+      <p:sp>
+        <p:nvSpPr>
+          <p:cNvPr id="2" name="Freeform 5">
+            <a:extLst>
+              <a:ext uri="{FF2B5EF4-FFF2-40B4-BE49-F238E27FC236}">
+                <a16:creationId xmlns:a16="http://schemas.microsoft.com/office/drawing/2014/main" id="{65BCE81F-8319-8484-B3D4-A9D51B97381E}"/>
+              </a:ext>
+            </a:extLst>
+          </p:cNvPr>
+          <p:cNvSpPr/>
+          <p:nvPr/>
+        </p:nvSpPr>
+        <p:spPr>
+          <a:xfrm>
+            <a:off x="10094219" y="4720919"/>
+            <a:ext cx="2416561" cy="2412167"/>
+          </a:xfrm>
+          <a:custGeom>
+            <a:avLst/>
+            <a:gdLst/>
+            <a:ahLst/>
+            <a:cxnLst/>
+            <a:rect l="l" t="t" r="r" b="b"/>
+            <a:pathLst>
+              <a:path w="3541910" h="3535470">
+                <a:moveTo>
+                  <a:pt x="0" y="0"/>
+                </a:moveTo>
+                <a:lnTo>
+                  <a:pt x="3541910" y="0"/>
+                </a:lnTo>
+                <a:lnTo>
+                  <a:pt x="3541910" y="3535470"/>
+                </a:lnTo>
+                <a:lnTo>
+                  <a:pt x="0" y="3535470"/>
+                </a:lnTo>
+                <a:lnTo>
+                  <a:pt x="0" y="0"/>
+                </a:lnTo>
+                <a:close/>
+              </a:path>
+            </a:pathLst>
+          </a:custGeom>
+          <a:blipFill>
+            <a:blip r:embed="rId4">
+              <a:extLst>
+                <a:ext uri="{96DAC541-7B7A-43D3-8B79-37D633B846F1}">
+                  <asvg:svgBlip xmlns:asvg="http://schemas.microsoft.com/office/drawing/2016/SVG/main" r:embed="rId5"/>
+                </a:ext>
+              </a:extLst>
+            </a:blip>
+            <a:stretch>
+              <a:fillRect/>
+            </a:stretch>
+          </a:blipFill>
+        </p:spPr>
+        <p:txBody>
+          <a:bodyPr/>
+          <a:lstStyle/>
+          <a:p>
+            <a:endParaRPr lang="en-US"/>
+          </a:p>
+        </p:txBody>
+      </p:sp>
+      <p:sp>
+        <p:nvSpPr>
+          <p:cNvPr id="3" name="Freeform 6">
+            <a:extLst>
+              <a:ext uri="{FF2B5EF4-FFF2-40B4-BE49-F238E27FC236}">
+                <a16:creationId xmlns:a16="http://schemas.microsoft.com/office/drawing/2014/main" id="{600FA076-56C4-86C3-3343-14B67E082868}"/>
+              </a:ext>
+            </a:extLst>
+          </p:cNvPr>
+          <p:cNvSpPr/>
+          <p:nvPr/>
+        </p:nvSpPr>
+        <p:spPr>
+          <a:xfrm>
+            <a:off x="-209549" y="-211204"/>
+            <a:ext cx="2446754" cy="2362230"/>
+          </a:xfrm>
+          <a:custGeom>
+            <a:avLst/>
+            <a:gdLst/>
+            <a:ahLst/>
+            <a:cxnLst/>
+            <a:rect l="l" t="t" r="r" b="b"/>
+            <a:pathLst>
+              <a:path w="3586163" h="3462278">
+                <a:moveTo>
+                  <a:pt x="0" y="0"/>
+                </a:moveTo>
+                <a:lnTo>
+                  <a:pt x="3586163" y="0"/>
+                </a:lnTo>
+                <a:lnTo>
+                  <a:pt x="3586163" y="3462278"/>
+                </a:lnTo>
+                <a:lnTo>
+                  <a:pt x="0" y="3462278"/>
+                </a:lnTo>
+                <a:lnTo>
+                  <a:pt x="0" y="0"/>
+                </a:lnTo>
+                <a:close/>
+              </a:path>
+            </a:pathLst>
+          </a:custGeom>
+          <a:blipFill>
+            <a:blip r:embed="rId6">
+              <a:extLst>
+                <a:ext uri="{96DAC541-7B7A-43D3-8B79-37D633B846F1}">
+                  <asvg:svgBlip xmlns:asvg="http://schemas.microsoft.com/office/drawing/2016/SVG/main" r:embed="rId7"/>
+                </a:ext>
+              </a:extLst>
+            </a:blip>
+            <a:stretch>
+              <a:fillRect/>
+            </a:stretch>
+          </a:blipFill>
+        </p:spPr>
+        <p:txBody>
+          <a:bodyPr/>
+          <a:lstStyle/>
+          <a:p>
+            <a:endParaRPr lang="en-US"/>
           </a:p>
         </p:txBody>
       </p:sp>
@@ -8389,61 +8624,6 @@
       </p:grpSpPr>
       <p:sp>
         <p:nvSpPr>
-          <p:cNvPr id="5" name="Rectangle 4">
-            <a:extLst>
-              <a:ext uri="{FF2B5EF4-FFF2-40B4-BE49-F238E27FC236}">
-                <a16:creationId xmlns:a16="http://schemas.microsoft.com/office/drawing/2014/main" id="{8BF65B74-5E4C-43E2-F22F-53319284CF2A}"/>
-              </a:ext>
-            </a:extLst>
-          </p:cNvPr>
-          <p:cNvSpPr/>
-          <p:nvPr/>
-        </p:nvSpPr>
-        <p:spPr>
-          <a:xfrm>
-            <a:off x="157163" y="171450"/>
-            <a:ext cx="11844337" cy="6515100"/>
-          </a:xfrm>
-          <a:prstGeom prst="rect">
-            <a:avLst/>
-          </a:prstGeom>
-          <a:noFill/>
-          <a:ln w="381000">
-            <a:solidFill>
-              <a:schemeClr val="accent2">
-                <a:lumMod val="60000"/>
-                <a:lumOff val="40000"/>
-              </a:schemeClr>
-            </a:solidFill>
-          </a:ln>
-        </p:spPr>
-        <p:style>
-          <a:lnRef idx="2">
-            <a:schemeClr val="accent1">
-              <a:shade val="15000"/>
-            </a:schemeClr>
-          </a:lnRef>
-          <a:fillRef idx="1">
-            <a:schemeClr val="accent1"/>
-          </a:fillRef>
-          <a:effectRef idx="0">
-            <a:schemeClr val="accent1"/>
-          </a:effectRef>
-          <a:fontRef idx="minor">
-            <a:schemeClr val="lt1"/>
-          </a:fontRef>
-        </p:style>
-        <p:txBody>
-          <a:bodyPr rtlCol="0" anchor="ctr"/>
-          <a:lstStyle/>
-          <a:p>
-            <a:pPr algn="ctr"/>
-            <a:endParaRPr lang="en-US"/>
-          </a:p>
-        </p:txBody>
-      </p:sp>
-      <p:sp>
-        <p:nvSpPr>
           <p:cNvPr id="10" name="TextBox 9">
             <a:extLst>
               <a:ext uri="{FF2B5EF4-FFF2-40B4-BE49-F238E27FC236}">
@@ -8770,6 +8950,58 @@
           <a:ln>
             <a:solidFill>
               <a:schemeClr val="tx1"/>
+            </a:solidFill>
+          </a:ln>
+        </p:spPr>
+        <p:style>
+          <a:lnRef idx="2">
+            <a:schemeClr val="accent1">
+              <a:shade val="15000"/>
+            </a:schemeClr>
+          </a:lnRef>
+          <a:fillRef idx="1">
+            <a:schemeClr val="accent1"/>
+          </a:fillRef>
+          <a:effectRef idx="0">
+            <a:schemeClr val="accent1"/>
+          </a:effectRef>
+          <a:fontRef idx="minor">
+            <a:schemeClr val="lt1"/>
+          </a:fontRef>
+        </p:style>
+        <p:txBody>
+          <a:bodyPr rtlCol="0" anchor="ctr"/>
+          <a:lstStyle/>
+          <a:p>
+            <a:pPr algn="ctr"/>
+            <a:endParaRPr lang="en-US"/>
+          </a:p>
+        </p:txBody>
+      </p:sp>
+      <p:sp>
+        <p:nvSpPr>
+          <p:cNvPr id="2" name="Rectangle 1">
+            <a:extLst>
+              <a:ext uri="{FF2B5EF4-FFF2-40B4-BE49-F238E27FC236}">
+                <a16:creationId xmlns:a16="http://schemas.microsoft.com/office/drawing/2014/main" id="{9AB1C78C-DCB5-0FF3-0D7A-9A5E944280B9}"/>
+              </a:ext>
+            </a:extLst>
+          </p:cNvPr>
+          <p:cNvSpPr/>
+          <p:nvPr/>
+        </p:nvSpPr>
+        <p:spPr>
+          <a:xfrm>
+            <a:off x="157163" y="171450"/>
+            <a:ext cx="11844337" cy="6515100"/>
+          </a:xfrm>
+          <a:prstGeom prst="rect">
+            <a:avLst/>
+          </a:prstGeom>
+          <a:noFill/>
+          <a:ln w="381000">
+            <a:solidFill>
+              <a:srgbClr val="88B1EE"/>
             </a:solidFill>
           </a:ln>
         </p:spPr>
@@ -8836,61 +9068,6 @@
       </p:grpSpPr>
       <p:sp>
         <p:nvSpPr>
-          <p:cNvPr id="5" name="Rectangle 4">
-            <a:extLst>
-              <a:ext uri="{FF2B5EF4-FFF2-40B4-BE49-F238E27FC236}">
-                <a16:creationId xmlns:a16="http://schemas.microsoft.com/office/drawing/2014/main" id="{5D221171-043C-0B5F-C043-6CB72E584AA8}"/>
-              </a:ext>
-            </a:extLst>
-          </p:cNvPr>
-          <p:cNvSpPr/>
-          <p:nvPr/>
-        </p:nvSpPr>
-        <p:spPr>
-          <a:xfrm>
-            <a:off x="157163" y="171450"/>
-            <a:ext cx="11844337" cy="6515100"/>
-          </a:xfrm>
-          <a:prstGeom prst="rect">
-            <a:avLst/>
-          </a:prstGeom>
-          <a:noFill/>
-          <a:ln w="381000">
-            <a:solidFill>
-              <a:schemeClr val="accent2">
-                <a:lumMod val="60000"/>
-                <a:lumOff val="40000"/>
-              </a:schemeClr>
-            </a:solidFill>
-          </a:ln>
-        </p:spPr>
-        <p:style>
-          <a:lnRef idx="2">
-            <a:schemeClr val="accent1">
-              <a:shade val="15000"/>
-            </a:schemeClr>
-          </a:lnRef>
-          <a:fillRef idx="1">
-            <a:schemeClr val="accent1"/>
-          </a:fillRef>
-          <a:effectRef idx="0">
-            <a:schemeClr val="accent1"/>
-          </a:effectRef>
-          <a:fontRef idx="minor">
-            <a:schemeClr val="lt1"/>
-          </a:fontRef>
-        </p:style>
-        <p:txBody>
-          <a:bodyPr rtlCol="0" anchor="ctr"/>
-          <a:lstStyle/>
-          <a:p>
-            <a:pPr algn="ctr"/>
-            <a:endParaRPr lang="en-US"/>
-          </a:p>
-        </p:txBody>
-      </p:sp>
-      <p:sp>
-        <p:nvSpPr>
           <p:cNvPr id="10" name="TextBox 9">
             <a:extLst>
               <a:ext uri="{FF2B5EF4-FFF2-40B4-BE49-F238E27FC236}">
@@ -9259,6 +9436,58 @@
               </a:rPr>
               <a:t>said</a:t>
             </a:r>
+          </a:p>
+        </p:txBody>
+      </p:sp>
+      <p:sp>
+        <p:nvSpPr>
+          <p:cNvPr id="3" name="Rectangle 2">
+            <a:extLst>
+              <a:ext uri="{FF2B5EF4-FFF2-40B4-BE49-F238E27FC236}">
+                <a16:creationId xmlns:a16="http://schemas.microsoft.com/office/drawing/2014/main" id="{D0E9A2BC-907F-C83F-75D0-36D9CA213EE4}"/>
+              </a:ext>
+            </a:extLst>
+          </p:cNvPr>
+          <p:cNvSpPr/>
+          <p:nvPr/>
+        </p:nvSpPr>
+        <p:spPr>
+          <a:xfrm>
+            <a:off x="157163" y="171450"/>
+            <a:ext cx="11844337" cy="6515100"/>
+          </a:xfrm>
+          <a:prstGeom prst="rect">
+            <a:avLst/>
+          </a:prstGeom>
+          <a:noFill/>
+          <a:ln w="381000">
+            <a:solidFill>
+              <a:srgbClr val="88B1EE"/>
+            </a:solidFill>
+          </a:ln>
+        </p:spPr>
+        <p:style>
+          <a:lnRef idx="2">
+            <a:schemeClr val="accent1">
+              <a:shade val="15000"/>
+            </a:schemeClr>
+          </a:lnRef>
+          <a:fillRef idx="1">
+            <a:schemeClr val="accent1"/>
+          </a:fillRef>
+          <a:effectRef idx="0">
+            <a:schemeClr val="accent1"/>
+          </a:effectRef>
+          <a:fontRef idx="minor">
+            <a:schemeClr val="lt1"/>
+          </a:fontRef>
+        </p:style>
+        <p:txBody>
+          <a:bodyPr rtlCol="0" anchor="ctr"/>
+          <a:lstStyle/>
+          <a:p>
+            <a:pPr algn="ctr"/>
+            <a:endParaRPr lang="en-US"/>
           </a:p>
         </p:txBody>
       </p:sp>
@@ -9300,61 +9529,6 @@
       </p:grpSpPr>
       <p:sp>
         <p:nvSpPr>
-          <p:cNvPr id="5" name="Rectangle 4">
-            <a:extLst>
-              <a:ext uri="{FF2B5EF4-FFF2-40B4-BE49-F238E27FC236}">
-                <a16:creationId xmlns:a16="http://schemas.microsoft.com/office/drawing/2014/main" id="{B4C1BAAA-D11E-DEBD-0F2D-9FCB1280B15C}"/>
-              </a:ext>
-            </a:extLst>
-          </p:cNvPr>
-          <p:cNvSpPr/>
-          <p:nvPr/>
-        </p:nvSpPr>
-        <p:spPr>
-          <a:xfrm>
-            <a:off x="157163" y="171450"/>
-            <a:ext cx="11844337" cy="6515100"/>
-          </a:xfrm>
-          <a:prstGeom prst="rect">
-            <a:avLst/>
-          </a:prstGeom>
-          <a:noFill/>
-          <a:ln w="381000">
-            <a:solidFill>
-              <a:schemeClr val="accent2">
-                <a:lumMod val="60000"/>
-                <a:lumOff val="40000"/>
-              </a:schemeClr>
-            </a:solidFill>
-          </a:ln>
-        </p:spPr>
-        <p:style>
-          <a:lnRef idx="2">
-            <a:schemeClr val="accent1">
-              <a:shade val="15000"/>
-            </a:schemeClr>
-          </a:lnRef>
-          <a:fillRef idx="1">
-            <a:schemeClr val="accent1"/>
-          </a:fillRef>
-          <a:effectRef idx="0">
-            <a:schemeClr val="accent1"/>
-          </a:effectRef>
-          <a:fontRef idx="minor">
-            <a:schemeClr val="lt1"/>
-          </a:fontRef>
-        </p:style>
-        <p:txBody>
-          <a:bodyPr rtlCol="0" anchor="ctr"/>
-          <a:lstStyle/>
-          <a:p>
-            <a:pPr algn="ctr"/>
-            <a:endParaRPr lang="en-US"/>
-          </a:p>
-        </p:txBody>
-      </p:sp>
-      <p:sp>
-        <p:nvSpPr>
           <p:cNvPr id="10" name="TextBox 9">
             <a:extLst>
               <a:ext uri="{FF2B5EF4-FFF2-40B4-BE49-F238E27FC236}">
@@ -9681,6 +9855,58 @@
           <a:ln>
             <a:solidFill>
               <a:schemeClr val="tx1"/>
+            </a:solidFill>
+          </a:ln>
+        </p:spPr>
+        <p:style>
+          <a:lnRef idx="2">
+            <a:schemeClr val="accent1">
+              <a:shade val="15000"/>
+            </a:schemeClr>
+          </a:lnRef>
+          <a:fillRef idx="1">
+            <a:schemeClr val="accent1"/>
+          </a:fillRef>
+          <a:effectRef idx="0">
+            <a:schemeClr val="accent1"/>
+          </a:effectRef>
+          <a:fontRef idx="minor">
+            <a:schemeClr val="lt1"/>
+          </a:fontRef>
+        </p:style>
+        <p:txBody>
+          <a:bodyPr rtlCol="0" anchor="ctr"/>
+          <a:lstStyle/>
+          <a:p>
+            <a:pPr algn="ctr"/>
+            <a:endParaRPr lang="en-US"/>
+          </a:p>
+        </p:txBody>
+      </p:sp>
+      <p:sp>
+        <p:nvSpPr>
+          <p:cNvPr id="3" name="Rectangle 2">
+            <a:extLst>
+              <a:ext uri="{FF2B5EF4-FFF2-40B4-BE49-F238E27FC236}">
+                <a16:creationId xmlns:a16="http://schemas.microsoft.com/office/drawing/2014/main" id="{4E4E345D-CEDE-E02D-71FF-96BA5093EF08}"/>
+              </a:ext>
+            </a:extLst>
+          </p:cNvPr>
+          <p:cNvSpPr/>
+          <p:nvPr/>
+        </p:nvSpPr>
+        <p:spPr>
+          <a:xfrm>
+            <a:off x="157163" y="171450"/>
+            <a:ext cx="11844337" cy="6515100"/>
+          </a:xfrm>
+          <a:prstGeom prst="rect">
+            <a:avLst/>
+          </a:prstGeom>
+          <a:noFill/>
+          <a:ln w="381000">
+            <a:solidFill>
+              <a:srgbClr val="88B1EE"/>
             </a:solidFill>
           </a:ln>
         </p:spPr>
@@ -9747,61 +9973,6 @@
       </p:grpSpPr>
       <p:sp>
         <p:nvSpPr>
-          <p:cNvPr id="5" name="Rectangle 4">
-            <a:extLst>
-              <a:ext uri="{FF2B5EF4-FFF2-40B4-BE49-F238E27FC236}">
-                <a16:creationId xmlns:a16="http://schemas.microsoft.com/office/drawing/2014/main" id="{C1C73A0A-1C08-934A-C654-F5850FBFB9D3}"/>
-              </a:ext>
-            </a:extLst>
-          </p:cNvPr>
-          <p:cNvSpPr/>
-          <p:nvPr/>
-        </p:nvSpPr>
-        <p:spPr>
-          <a:xfrm>
-            <a:off x="157163" y="171450"/>
-            <a:ext cx="11844337" cy="6515100"/>
-          </a:xfrm>
-          <a:prstGeom prst="rect">
-            <a:avLst/>
-          </a:prstGeom>
-          <a:noFill/>
-          <a:ln w="381000">
-            <a:solidFill>
-              <a:schemeClr val="accent2">
-                <a:lumMod val="60000"/>
-                <a:lumOff val="40000"/>
-              </a:schemeClr>
-            </a:solidFill>
-          </a:ln>
-        </p:spPr>
-        <p:style>
-          <a:lnRef idx="2">
-            <a:schemeClr val="accent1">
-              <a:shade val="15000"/>
-            </a:schemeClr>
-          </a:lnRef>
-          <a:fillRef idx="1">
-            <a:schemeClr val="accent1"/>
-          </a:fillRef>
-          <a:effectRef idx="0">
-            <a:schemeClr val="accent1"/>
-          </a:effectRef>
-          <a:fontRef idx="minor">
-            <a:schemeClr val="lt1"/>
-          </a:fontRef>
-        </p:style>
-        <p:txBody>
-          <a:bodyPr rtlCol="0" anchor="ctr"/>
-          <a:lstStyle/>
-          <a:p>
-            <a:pPr algn="ctr"/>
-            <a:endParaRPr lang="en-US"/>
-          </a:p>
-        </p:txBody>
-      </p:sp>
-      <p:sp>
-        <p:nvSpPr>
           <p:cNvPr id="10" name="TextBox 9">
             <a:extLst>
               <a:ext uri="{FF2B5EF4-FFF2-40B4-BE49-F238E27FC236}">
@@ -10169,6 +10340,58 @@
               </a:rPr>
               <a:t>made</a:t>
             </a:r>
+          </a:p>
+        </p:txBody>
+      </p:sp>
+      <p:sp>
+        <p:nvSpPr>
+          <p:cNvPr id="2" name="Rectangle 1">
+            <a:extLst>
+              <a:ext uri="{FF2B5EF4-FFF2-40B4-BE49-F238E27FC236}">
+                <a16:creationId xmlns:a16="http://schemas.microsoft.com/office/drawing/2014/main" id="{F97B7300-4F49-C2A4-3400-45EF5816C895}"/>
+              </a:ext>
+            </a:extLst>
+          </p:cNvPr>
+          <p:cNvSpPr/>
+          <p:nvPr/>
+        </p:nvSpPr>
+        <p:spPr>
+          <a:xfrm>
+            <a:off x="157163" y="171450"/>
+            <a:ext cx="11844337" cy="6515100"/>
+          </a:xfrm>
+          <a:prstGeom prst="rect">
+            <a:avLst/>
+          </a:prstGeom>
+          <a:noFill/>
+          <a:ln w="381000">
+            <a:solidFill>
+              <a:srgbClr val="88B1EE"/>
+            </a:solidFill>
+          </a:ln>
+        </p:spPr>
+        <p:style>
+          <a:lnRef idx="2">
+            <a:schemeClr val="accent1">
+              <a:shade val="15000"/>
+            </a:schemeClr>
+          </a:lnRef>
+          <a:fillRef idx="1">
+            <a:schemeClr val="accent1"/>
+          </a:fillRef>
+          <a:effectRef idx="0">
+            <a:schemeClr val="accent1"/>
+          </a:effectRef>
+          <a:fontRef idx="minor">
+            <a:schemeClr val="lt1"/>
+          </a:fontRef>
+        </p:style>
+        <p:txBody>
+          <a:bodyPr rtlCol="0" anchor="ctr"/>
+          <a:lstStyle/>
+          <a:p>
+            <a:pPr algn="ctr"/>
+            <a:endParaRPr lang="en-US"/>
           </a:p>
         </p:txBody>
       </p:sp>
@@ -10322,9 +10545,9 @@
           <a:noFill/>
           <a:ln w="381000">
             <a:solidFill>
-              <a:schemeClr val="accent2">
-                <a:lumMod val="60000"/>
-                <a:lumOff val="40000"/>
+              <a:schemeClr val="tx2">
+                <a:lumMod val="25000"/>
+                <a:lumOff val="75000"/>
               </a:schemeClr>
             </a:solidFill>
           </a:ln>
@@ -10843,6 +11066,71 @@
           </a:extLst>
         </p:spPr>
       </p:pic>
+      <p:sp>
+        <p:nvSpPr>
+          <p:cNvPr id="2" name="Freeform 6">
+            <a:extLst>
+              <a:ext uri="{FF2B5EF4-FFF2-40B4-BE49-F238E27FC236}">
+                <a16:creationId xmlns:a16="http://schemas.microsoft.com/office/drawing/2014/main" id="{26CF0180-AFB4-A358-796E-B949A59372F3}"/>
+              </a:ext>
+            </a:extLst>
+          </p:cNvPr>
+          <p:cNvSpPr/>
+          <p:nvPr/>
+        </p:nvSpPr>
+        <p:spPr>
+          <a:xfrm>
+            <a:off x="10494218" y="2791610"/>
+            <a:ext cx="1932495" cy="5061297"/>
+          </a:xfrm>
+          <a:custGeom>
+            <a:avLst/>
+            <a:gdLst/>
+            <a:ahLst/>
+            <a:cxnLst/>
+            <a:rect l="l" t="t" r="r" b="b"/>
+            <a:pathLst>
+              <a:path w="2745347" h="7190194">
+                <a:moveTo>
+                  <a:pt x="0" y="0"/>
+                </a:moveTo>
+                <a:lnTo>
+                  <a:pt x="2745347" y="0"/>
+                </a:lnTo>
+                <a:lnTo>
+                  <a:pt x="2745347" y="7190194"/>
+                </a:lnTo>
+                <a:lnTo>
+                  <a:pt x="0" y="7190194"/>
+                </a:lnTo>
+                <a:lnTo>
+                  <a:pt x="0" y="0"/>
+                </a:lnTo>
+                <a:close/>
+              </a:path>
+            </a:pathLst>
+          </a:custGeom>
+          <a:blipFill>
+            <a:blip r:embed="rId3">
+              <a:extLst>
+                <a:ext uri="{96DAC541-7B7A-43D3-8B79-37D633B846F1}">
+                  <asvg:svgBlip xmlns:asvg="http://schemas.microsoft.com/office/drawing/2016/SVG/main" r:embed="rId4"/>
+                </a:ext>
+              </a:extLst>
+            </a:blip>
+            <a:stretch>
+              <a:fillRect/>
+            </a:stretch>
+          </a:blipFill>
+        </p:spPr>
+        <p:txBody>
+          <a:bodyPr/>
+          <a:lstStyle/>
+          <a:p>
+            <a:endParaRPr lang="en-US"/>
+          </a:p>
+        </p:txBody>
+      </p:sp>
     </p:spTree>
     <p:extLst>
       <p:ext uri="{BB962C8B-B14F-4D97-AF65-F5344CB8AC3E}">
@@ -10902,9 +11190,9 @@
           <a:noFill/>
           <a:ln w="381000">
             <a:solidFill>
-              <a:schemeClr val="accent2">
-                <a:lumMod val="60000"/>
-                <a:lumOff val="40000"/>
+              <a:schemeClr val="accent3">
+                <a:lumMod val="20000"/>
+                <a:lumOff val="80000"/>
               </a:schemeClr>
             </a:solidFill>
           </a:ln>
@@ -11126,6 +11414,71 @@
               </a:rPr>
               <a:t>at a lot of companies.”</a:t>
             </a:r>
+          </a:p>
+        </p:txBody>
+      </p:sp>
+      <p:sp>
+        <p:nvSpPr>
+          <p:cNvPr id="3" name="Freeform 6">
+            <a:extLst>
+              <a:ext uri="{FF2B5EF4-FFF2-40B4-BE49-F238E27FC236}">
+                <a16:creationId xmlns:a16="http://schemas.microsoft.com/office/drawing/2014/main" id="{0F0810EF-8688-AA87-C70F-581CBA418BD0}"/>
+              </a:ext>
+            </a:extLst>
+          </p:cNvPr>
+          <p:cNvSpPr/>
+          <p:nvPr/>
+        </p:nvSpPr>
+        <p:spPr>
+          <a:xfrm>
+            <a:off x="-148246" y="3284056"/>
+            <a:ext cx="2173056" cy="4459628"/>
+          </a:xfrm>
+          <a:custGeom>
+            <a:avLst/>
+            <a:gdLst/>
+            <a:ahLst/>
+            <a:cxnLst/>
+            <a:rect l="l" t="t" r="r" b="b"/>
+            <a:pathLst>
+              <a:path w="3610879" h="7410385">
+                <a:moveTo>
+                  <a:pt x="0" y="0"/>
+                </a:moveTo>
+                <a:lnTo>
+                  <a:pt x="3610878" y="0"/>
+                </a:lnTo>
+                <a:lnTo>
+                  <a:pt x="3610878" y="7410385"/>
+                </a:lnTo>
+                <a:lnTo>
+                  <a:pt x="0" y="7410385"/>
+                </a:lnTo>
+                <a:lnTo>
+                  <a:pt x="0" y="0"/>
+                </a:lnTo>
+                <a:close/>
+              </a:path>
+            </a:pathLst>
+          </a:custGeom>
+          <a:blipFill>
+            <a:blip r:embed="rId2">
+              <a:extLst>
+                <a:ext uri="{96DAC541-7B7A-43D3-8B79-37D633B846F1}">
+                  <asvg:svgBlip xmlns:asvg="http://schemas.microsoft.com/office/drawing/2016/SVG/main" r:embed="rId3"/>
+                </a:ext>
+              </a:extLst>
+            </a:blip>
+            <a:stretch>
+              <a:fillRect/>
+            </a:stretch>
+          </a:blipFill>
+        </p:spPr>
+        <p:txBody>
+          <a:bodyPr/>
+          <a:lstStyle/>
+          <a:p>
+            <a:endParaRPr lang="en-US"/>
           </a:p>
         </p:txBody>
       </p:sp>
@@ -11253,9 +11606,9 @@
           <a:noFill/>
           <a:ln w="381000">
             <a:solidFill>
-              <a:schemeClr val="accent2">
-                <a:lumMod val="60000"/>
-                <a:lumOff val="40000"/>
+              <a:schemeClr val="accent4">
+                <a:lumMod val="40000"/>
+                <a:lumOff val="60000"/>
               </a:schemeClr>
             </a:solidFill>
           </a:ln>
@@ -11404,6 +11757,136 @@
               </a:rPr>
               <a:t> pattern.</a:t>
             </a:r>
+          </a:p>
+        </p:txBody>
+      </p:sp>
+      <p:sp>
+        <p:nvSpPr>
+          <p:cNvPr id="2" name="Freeform 5">
+            <a:extLst>
+              <a:ext uri="{FF2B5EF4-FFF2-40B4-BE49-F238E27FC236}">
+                <a16:creationId xmlns:a16="http://schemas.microsoft.com/office/drawing/2014/main" id="{04696C98-A542-BE4D-D8EA-B8DCD534D4E9}"/>
+              </a:ext>
+            </a:extLst>
+          </p:cNvPr>
+          <p:cNvSpPr/>
+          <p:nvPr/>
+        </p:nvSpPr>
+        <p:spPr>
+          <a:xfrm flipH="1">
+            <a:off x="10235918" y="3990079"/>
+            <a:ext cx="2250938" cy="4225310"/>
+          </a:xfrm>
+          <a:custGeom>
+            <a:avLst/>
+            <a:gdLst/>
+            <a:ahLst/>
+            <a:cxnLst/>
+            <a:rect l="l" t="t" r="r" b="b"/>
+            <a:pathLst>
+              <a:path w="3836116" h="7200900">
+                <a:moveTo>
+                  <a:pt x="3836116" y="0"/>
+                </a:moveTo>
+                <a:lnTo>
+                  <a:pt x="0" y="0"/>
+                </a:lnTo>
+                <a:lnTo>
+                  <a:pt x="0" y="7200900"/>
+                </a:lnTo>
+                <a:lnTo>
+                  <a:pt x="3836116" y="7200900"/>
+                </a:lnTo>
+                <a:lnTo>
+                  <a:pt x="3836116" y="0"/>
+                </a:lnTo>
+                <a:close/>
+              </a:path>
+            </a:pathLst>
+          </a:custGeom>
+          <a:blipFill>
+            <a:blip r:embed="rId4">
+              <a:extLst>
+                <a:ext uri="{96DAC541-7B7A-43D3-8B79-37D633B846F1}">
+                  <asvg:svgBlip xmlns:asvg="http://schemas.microsoft.com/office/drawing/2016/SVG/main" r:embed="rId5"/>
+                </a:ext>
+              </a:extLst>
+            </a:blip>
+            <a:stretch>
+              <a:fillRect/>
+            </a:stretch>
+          </a:blipFill>
+        </p:spPr>
+        <p:txBody>
+          <a:bodyPr/>
+          <a:lstStyle/>
+          <a:p>
+            <a:endParaRPr lang="en-US"/>
+          </a:p>
+        </p:txBody>
+      </p:sp>
+      <p:sp>
+        <p:nvSpPr>
+          <p:cNvPr id="3" name="Freeform 6">
+            <a:extLst>
+              <a:ext uri="{FF2B5EF4-FFF2-40B4-BE49-F238E27FC236}">
+                <a16:creationId xmlns:a16="http://schemas.microsoft.com/office/drawing/2014/main" id="{0FF509FB-AE39-DC5D-3236-FF238F7F9270}"/>
+              </a:ext>
+            </a:extLst>
+          </p:cNvPr>
+          <p:cNvSpPr/>
+          <p:nvPr/>
+        </p:nvSpPr>
+        <p:spPr>
+          <a:xfrm rot="2933900">
+            <a:off x="-62647" y="3861408"/>
+            <a:ext cx="2340008" cy="1689060"/>
+          </a:xfrm>
+          <a:custGeom>
+            <a:avLst/>
+            <a:gdLst/>
+            <a:ahLst/>
+            <a:cxnLst/>
+            <a:rect l="l" t="t" r="r" b="b"/>
+            <a:pathLst>
+              <a:path w="3999557" h="2886953">
+                <a:moveTo>
+                  <a:pt x="0" y="0"/>
+                </a:moveTo>
+                <a:lnTo>
+                  <a:pt x="3999557" y="0"/>
+                </a:lnTo>
+                <a:lnTo>
+                  <a:pt x="3999557" y="2886954"/>
+                </a:lnTo>
+                <a:lnTo>
+                  <a:pt x="0" y="2886954"/>
+                </a:lnTo>
+                <a:lnTo>
+                  <a:pt x="0" y="0"/>
+                </a:lnTo>
+                <a:close/>
+              </a:path>
+            </a:pathLst>
+          </a:custGeom>
+          <a:blipFill>
+            <a:blip r:embed="rId6">
+              <a:extLst>
+                <a:ext uri="{96DAC541-7B7A-43D3-8B79-37D633B846F1}">
+                  <asvg:svgBlip xmlns:asvg="http://schemas.microsoft.com/office/drawing/2016/SVG/main" r:embed="rId7"/>
+                </a:ext>
+              </a:extLst>
+            </a:blip>
+            <a:stretch>
+              <a:fillRect/>
+            </a:stretch>
+          </a:blipFill>
+        </p:spPr>
+        <p:txBody>
+          <a:bodyPr/>
+          <a:lstStyle/>
+          <a:p>
+            <a:endParaRPr lang="en-US"/>
           </a:p>
         </p:txBody>
       </p:sp>
@@ -11466,9 +11949,9 @@
           <a:noFill/>
           <a:ln w="381000">
             <a:solidFill>
-              <a:schemeClr val="accent2">
-                <a:lumMod val="60000"/>
-                <a:lumOff val="40000"/>
+              <a:schemeClr val="accent5">
+                <a:lumMod val="40000"/>
+                <a:lumOff val="60000"/>
               </a:schemeClr>
             </a:solidFill>
           </a:ln>
@@ -11733,6 +12216,71 @@
           </a:extLst>
         </p:spPr>
       </p:pic>
+      <p:sp>
+        <p:nvSpPr>
+          <p:cNvPr id="4" name="Freeform 6">
+            <a:extLst>
+              <a:ext uri="{FF2B5EF4-FFF2-40B4-BE49-F238E27FC236}">
+                <a16:creationId xmlns:a16="http://schemas.microsoft.com/office/drawing/2014/main" id="{86472AE4-8C1A-0FC3-29C8-979FBE72C79B}"/>
+              </a:ext>
+            </a:extLst>
+          </p:cNvPr>
+          <p:cNvSpPr/>
+          <p:nvPr/>
+        </p:nvSpPr>
+        <p:spPr>
+          <a:xfrm>
+            <a:off x="-880006" y="5632642"/>
+            <a:ext cx="4888973" cy="1350579"/>
+          </a:xfrm>
+          <a:custGeom>
+            <a:avLst/>
+            <a:gdLst/>
+            <a:ahLst/>
+            <a:cxnLst/>
+            <a:rect l="l" t="t" r="r" b="b"/>
+            <a:pathLst>
+              <a:path w="4888973" h="1350579">
+                <a:moveTo>
+                  <a:pt x="0" y="0"/>
+                </a:moveTo>
+                <a:lnTo>
+                  <a:pt x="4888973" y="0"/>
+                </a:lnTo>
+                <a:lnTo>
+                  <a:pt x="4888973" y="1350579"/>
+                </a:lnTo>
+                <a:lnTo>
+                  <a:pt x="0" y="1350579"/>
+                </a:lnTo>
+                <a:lnTo>
+                  <a:pt x="0" y="0"/>
+                </a:lnTo>
+                <a:close/>
+              </a:path>
+            </a:pathLst>
+          </a:custGeom>
+          <a:blipFill>
+            <a:blip r:embed="rId3">
+              <a:extLst>
+                <a:ext uri="{96DAC541-7B7A-43D3-8B79-37D633B846F1}">
+                  <asvg:svgBlip xmlns:asvg="http://schemas.microsoft.com/office/drawing/2016/SVG/main" r:embed="rId4"/>
+                </a:ext>
+              </a:extLst>
+            </a:blip>
+            <a:stretch>
+              <a:fillRect/>
+            </a:stretch>
+          </a:blipFill>
+        </p:spPr>
+        <p:txBody>
+          <a:bodyPr/>
+          <a:lstStyle/>
+          <a:p>
+            <a:endParaRPr lang="en-US"/>
+          </a:p>
+        </p:txBody>
+      </p:sp>
     </p:spTree>
     <p:extLst>
       <p:ext uri="{BB962C8B-B14F-4D97-AF65-F5344CB8AC3E}">
@@ -11792,7 +12340,7 @@
           <a:noFill/>
           <a:ln w="381000">
             <a:solidFill>
-              <a:schemeClr val="accent2">
+              <a:schemeClr val="accent6">
                 <a:lumMod val="60000"/>
                 <a:lumOff val="40000"/>
               </a:schemeClr>
@@ -11994,6 +12542,71 @@
           </a:extLst>
         </p:spPr>
       </p:pic>
+      <p:sp>
+        <p:nvSpPr>
+          <p:cNvPr id="2" name="Freeform 6">
+            <a:extLst>
+              <a:ext uri="{FF2B5EF4-FFF2-40B4-BE49-F238E27FC236}">
+                <a16:creationId xmlns:a16="http://schemas.microsoft.com/office/drawing/2014/main" id="{E337E888-1045-2B0D-F70A-ED9486173560}"/>
+              </a:ext>
+            </a:extLst>
+          </p:cNvPr>
+          <p:cNvSpPr/>
+          <p:nvPr/>
+        </p:nvSpPr>
+        <p:spPr>
+          <a:xfrm>
+            <a:off x="49690" y="2941542"/>
+            <a:ext cx="1863412" cy="4306204"/>
+          </a:xfrm>
+          <a:custGeom>
+            <a:avLst/>
+            <a:gdLst/>
+            <a:ahLst/>
+            <a:cxnLst/>
+            <a:rect l="l" t="t" r="r" b="b"/>
+            <a:pathLst>
+              <a:path w="2927130" h="6764376">
+                <a:moveTo>
+                  <a:pt x="0" y="0"/>
+                </a:moveTo>
+                <a:lnTo>
+                  <a:pt x="2927130" y="0"/>
+                </a:lnTo>
+                <a:lnTo>
+                  <a:pt x="2927130" y="6764376"/>
+                </a:lnTo>
+                <a:lnTo>
+                  <a:pt x="0" y="6764376"/>
+                </a:lnTo>
+                <a:lnTo>
+                  <a:pt x="0" y="0"/>
+                </a:lnTo>
+                <a:close/>
+              </a:path>
+            </a:pathLst>
+          </a:custGeom>
+          <a:blipFill>
+            <a:blip r:embed="rId3">
+              <a:extLst>
+                <a:ext uri="{96DAC541-7B7A-43D3-8B79-37D633B846F1}">
+                  <asvg:svgBlip xmlns:asvg="http://schemas.microsoft.com/office/drawing/2016/SVG/main" r:embed="rId4"/>
+                </a:ext>
+              </a:extLst>
+            </a:blip>
+            <a:stretch>
+              <a:fillRect/>
+            </a:stretch>
+          </a:blipFill>
+        </p:spPr>
+        <p:txBody>
+          <a:bodyPr/>
+          <a:lstStyle/>
+          <a:p>
+            <a:endParaRPr lang="en-US"/>
+          </a:p>
+        </p:txBody>
+      </p:sp>
     </p:spTree>
     <p:extLst>
       <p:ext uri="{BB962C8B-B14F-4D97-AF65-F5344CB8AC3E}">
@@ -12053,10 +12666,7 @@
           <a:noFill/>
           <a:ln w="381000">
             <a:solidFill>
-              <a:schemeClr val="accent2">
-                <a:lumMod val="60000"/>
-                <a:lumOff val="40000"/>
-              </a:schemeClr>
+              <a:srgbClr val="88B1EE"/>
             </a:solidFill>
           </a:ln>
         </p:spPr>
@@ -12479,61 +13089,6 @@
       </p:grpSpPr>
       <p:sp>
         <p:nvSpPr>
-          <p:cNvPr id="5" name="Rectangle 4">
-            <a:extLst>
-              <a:ext uri="{FF2B5EF4-FFF2-40B4-BE49-F238E27FC236}">
-                <a16:creationId xmlns:a16="http://schemas.microsoft.com/office/drawing/2014/main" id="{F2EA1EC9-4873-668D-D23F-27D835EB177E}"/>
-              </a:ext>
-            </a:extLst>
-          </p:cNvPr>
-          <p:cNvSpPr/>
-          <p:nvPr/>
-        </p:nvSpPr>
-        <p:spPr>
-          <a:xfrm>
-            <a:off x="157163" y="171450"/>
-            <a:ext cx="11844337" cy="6515100"/>
-          </a:xfrm>
-          <a:prstGeom prst="rect">
-            <a:avLst/>
-          </a:prstGeom>
-          <a:noFill/>
-          <a:ln w="381000">
-            <a:solidFill>
-              <a:schemeClr val="accent2">
-                <a:lumMod val="60000"/>
-                <a:lumOff val="40000"/>
-              </a:schemeClr>
-            </a:solidFill>
-          </a:ln>
-        </p:spPr>
-        <p:style>
-          <a:lnRef idx="2">
-            <a:schemeClr val="accent1">
-              <a:shade val="15000"/>
-            </a:schemeClr>
-          </a:lnRef>
-          <a:fillRef idx="1">
-            <a:schemeClr val="accent1"/>
-          </a:fillRef>
-          <a:effectRef idx="0">
-            <a:schemeClr val="accent1"/>
-          </a:effectRef>
-          <a:fontRef idx="minor">
-            <a:schemeClr val="lt1"/>
-          </a:fontRef>
-        </p:style>
-        <p:txBody>
-          <a:bodyPr rtlCol="0" anchor="ctr"/>
-          <a:lstStyle/>
-          <a:p>
-            <a:pPr algn="ctr"/>
-            <a:endParaRPr lang="en-US"/>
-          </a:p>
-        </p:txBody>
-      </p:sp>
-      <p:sp>
-        <p:nvSpPr>
           <p:cNvPr id="10" name="TextBox 9">
             <a:extLst>
               <a:ext uri="{FF2B5EF4-FFF2-40B4-BE49-F238E27FC236}">
@@ -12902,6 +13457,58 @@
               </a:rPr>
               <a:t>sat</a:t>
             </a:r>
+          </a:p>
+        </p:txBody>
+      </p:sp>
+      <p:sp>
+        <p:nvSpPr>
+          <p:cNvPr id="4" name="Rectangle 3">
+            <a:extLst>
+              <a:ext uri="{FF2B5EF4-FFF2-40B4-BE49-F238E27FC236}">
+                <a16:creationId xmlns:a16="http://schemas.microsoft.com/office/drawing/2014/main" id="{085B1C3D-8064-1890-FC50-35DE98F75DB1}"/>
+              </a:ext>
+            </a:extLst>
+          </p:cNvPr>
+          <p:cNvSpPr/>
+          <p:nvPr/>
+        </p:nvSpPr>
+        <p:spPr>
+          <a:xfrm>
+            <a:off x="157163" y="171450"/>
+            <a:ext cx="11844337" cy="6515100"/>
+          </a:xfrm>
+          <a:prstGeom prst="rect">
+            <a:avLst/>
+          </a:prstGeom>
+          <a:noFill/>
+          <a:ln w="381000">
+            <a:solidFill>
+              <a:srgbClr val="88B1EE"/>
+            </a:solidFill>
+          </a:ln>
+        </p:spPr>
+        <p:style>
+          <a:lnRef idx="2">
+            <a:schemeClr val="accent1">
+              <a:shade val="15000"/>
+            </a:schemeClr>
+          </a:lnRef>
+          <a:fillRef idx="1">
+            <a:schemeClr val="accent1"/>
+          </a:fillRef>
+          <a:effectRef idx="0">
+            <a:schemeClr val="accent1"/>
+          </a:effectRef>
+          <a:fontRef idx="minor">
+            <a:schemeClr val="lt1"/>
+          </a:fontRef>
+        </p:style>
+        <p:txBody>
+          <a:bodyPr rtlCol="0" anchor="ctr"/>
+          <a:lstStyle/>
+          <a:p>
+            <a:pPr algn="ctr"/>
+            <a:endParaRPr lang="en-US"/>
           </a:p>
         </p:txBody>
       </p:sp>
